--- a/DOCUMENTACOES/SLIDE-PIM4.pptx
+++ b/DOCUMENTACOES/SLIDE-PIM4.pptx
@@ -7,6 +7,17 @@
   <p:sldIdLst>
     <p:sldId id="256" r:id="rId2"/>
     <p:sldId id="257" r:id="rId3"/>
+    <p:sldId id="258" r:id="rId4"/>
+    <p:sldId id="259" r:id="rId5"/>
+    <p:sldId id="260" r:id="rId6"/>
+    <p:sldId id="261" r:id="rId7"/>
+    <p:sldId id="262" r:id="rId8"/>
+    <p:sldId id="263" r:id="rId9"/>
+    <p:sldId id="266" r:id="rId10"/>
+    <p:sldId id="267" r:id="rId11"/>
+    <p:sldId id="264" r:id="rId12"/>
+    <p:sldId id="265" r:id="rId13"/>
+    <p:sldId id="268" r:id="rId14"/>
   </p:sldIdLst>
   <p:sldSz cx="12192000" cy="6858000"/>
   <p:notesSz cx="6858000" cy="9144000"/>
@@ -105,6 +116,11 @@
       </a:defRPr>
     </a:lvl9pPr>
   </p:defaultTextStyle>
+  <p:extLst>
+    <p:ext uri="{EFAFB233-063F-42B5-8137-9DF3F51BA10A}">
+      <p15:sldGuideLst xmlns:p15="http://schemas.microsoft.com/office/powerpoint/2012/main"/>
+    </p:ext>
+  </p:extLst>
 </p:presentation>
 </file>
 
@@ -239,7 +255,7 @@
           <a:p>
             <a:fld id="{989205C8-5A99-45E1-A29F-54ED0EED04A2}" type="datetimeFigureOut">
               <a:rPr lang="pt-BR" smtClean="0"/>
-              <a:t>16/02/2020</a:t>
+              <a:t>17/02/2020</a:t>
             </a:fld>
             <a:endParaRPr lang="pt-BR"/>
           </a:p>
@@ -409,7 +425,7 @@
           <a:p>
             <a:fld id="{989205C8-5A99-45E1-A29F-54ED0EED04A2}" type="datetimeFigureOut">
               <a:rPr lang="pt-BR" smtClean="0"/>
-              <a:t>16/02/2020</a:t>
+              <a:t>17/02/2020</a:t>
             </a:fld>
             <a:endParaRPr lang="pt-BR"/>
           </a:p>
@@ -589,7 +605,7 @@
           <a:p>
             <a:fld id="{989205C8-5A99-45E1-A29F-54ED0EED04A2}" type="datetimeFigureOut">
               <a:rPr lang="pt-BR" smtClean="0"/>
-              <a:t>16/02/2020</a:t>
+              <a:t>17/02/2020</a:t>
             </a:fld>
             <a:endParaRPr lang="pt-BR"/>
           </a:p>
@@ -759,7 +775,7 @@
           <a:p>
             <a:fld id="{989205C8-5A99-45E1-A29F-54ED0EED04A2}" type="datetimeFigureOut">
               <a:rPr lang="pt-BR" smtClean="0"/>
-              <a:t>16/02/2020</a:t>
+              <a:t>17/02/2020</a:t>
             </a:fld>
             <a:endParaRPr lang="pt-BR"/>
           </a:p>
@@ -1005,7 +1021,7 @@
           <a:p>
             <a:fld id="{989205C8-5A99-45E1-A29F-54ED0EED04A2}" type="datetimeFigureOut">
               <a:rPr lang="pt-BR" smtClean="0"/>
-              <a:t>16/02/2020</a:t>
+              <a:t>17/02/2020</a:t>
             </a:fld>
             <a:endParaRPr lang="pt-BR"/>
           </a:p>
@@ -1237,7 +1253,7 @@
           <a:p>
             <a:fld id="{989205C8-5A99-45E1-A29F-54ED0EED04A2}" type="datetimeFigureOut">
               <a:rPr lang="pt-BR" smtClean="0"/>
-              <a:t>16/02/2020</a:t>
+              <a:t>17/02/2020</a:t>
             </a:fld>
             <a:endParaRPr lang="pt-BR"/>
           </a:p>
@@ -1604,7 +1620,7 @@
           <a:p>
             <a:fld id="{989205C8-5A99-45E1-A29F-54ED0EED04A2}" type="datetimeFigureOut">
               <a:rPr lang="pt-BR" smtClean="0"/>
-              <a:t>16/02/2020</a:t>
+              <a:t>17/02/2020</a:t>
             </a:fld>
             <a:endParaRPr lang="pt-BR"/>
           </a:p>
@@ -1722,7 +1738,7 @@
           <a:p>
             <a:fld id="{989205C8-5A99-45E1-A29F-54ED0EED04A2}" type="datetimeFigureOut">
               <a:rPr lang="pt-BR" smtClean="0"/>
-              <a:t>16/02/2020</a:t>
+              <a:t>17/02/2020</a:t>
             </a:fld>
             <a:endParaRPr lang="pt-BR"/>
           </a:p>
@@ -1817,7 +1833,7 @@
           <a:p>
             <a:fld id="{989205C8-5A99-45E1-A29F-54ED0EED04A2}" type="datetimeFigureOut">
               <a:rPr lang="pt-BR" smtClean="0"/>
-              <a:t>16/02/2020</a:t>
+              <a:t>17/02/2020</a:t>
             </a:fld>
             <a:endParaRPr lang="pt-BR"/>
           </a:p>
@@ -2094,7 +2110,7 @@
           <a:p>
             <a:fld id="{989205C8-5A99-45E1-A29F-54ED0EED04A2}" type="datetimeFigureOut">
               <a:rPr lang="pt-BR" smtClean="0"/>
-              <a:t>16/02/2020</a:t>
+              <a:t>17/02/2020</a:t>
             </a:fld>
             <a:endParaRPr lang="pt-BR"/>
           </a:p>
@@ -2347,7 +2363,7 @@
           <a:p>
             <a:fld id="{989205C8-5A99-45E1-A29F-54ED0EED04A2}" type="datetimeFigureOut">
               <a:rPr lang="pt-BR" smtClean="0"/>
-              <a:t>16/02/2020</a:t>
+              <a:t>17/02/2020</a:t>
             </a:fld>
             <a:endParaRPr lang="pt-BR"/>
           </a:p>
@@ -2560,7 +2576,7 @@
           <a:p>
             <a:fld id="{989205C8-5A99-45E1-A29F-54ED0EED04A2}" type="datetimeFigureOut">
               <a:rPr lang="pt-BR" smtClean="0"/>
-              <a:t>16/02/2020</a:t>
+              <a:t>17/02/2020</a:t>
             </a:fld>
             <a:endParaRPr lang="pt-BR"/>
           </a:p>
@@ -2973,8 +2989,8 @@
         </p:nvSpPr>
         <p:spPr>
           <a:xfrm>
-            <a:off x="4101921" y="1873373"/>
-            <a:ext cx="3953814" cy="369332"/>
+            <a:off x="1702421" y="1352857"/>
+            <a:ext cx="9280840" cy="707886"/>
           </a:xfrm>
           <a:prstGeom prst="rect">
             <a:avLst/>
@@ -2989,13 +3005,27 @@
           <a:p>
             <a:pPr algn="ctr"/>
             <a:r>
-              <a:rPr lang="pt-BR" dirty="0" smtClean="0">
+              <a:rPr lang="pt-BR" sz="4000" b="1" dirty="0" smtClean="0">
+                <a:solidFill>
+                  <a:schemeClr val="tx1">
+                    <a:lumMod val="75000"/>
+                    <a:lumOff val="25000"/>
+                  </a:schemeClr>
+                </a:solidFill>
                 <a:latin typeface="+mj-lt"/>
+                <a:cs typeface="Leelawadee UI Semilight" panose="020B0402040204020203" pitchFamily="34" charset="-34"/>
               </a:rPr>
               <a:t>PROJETO INTEGRADOR DO MODULO 4  </a:t>
             </a:r>
-            <a:endParaRPr lang="pt-BR" dirty="0">
+            <a:endParaRPr lang="pt-BR" sz="4000" b="1" dirty="0">
+              <a:solidFill>
+                <a:schemeClr val="tx1">
+                  <a:lumMod val="75000"/>
+                  <a:lumOff val="25000"/>
+                </a:schemeClr>
+              </a:solidFill>
               <a:latin typeface="+mj-lt"/>
+              <a:cs typeface="Leelawadee UI Semilight" panose="020B0402040204020203" pitchFamily="34" charset="-34"/>
             </a:endParaRPr>
           </a:p>
         </p:txBody>
@@ -3008,8 +3038,8 @@
         </p:nvSpPr>
         <p:spPr>
           <a:xfrm>
-            <a:off x="3322749" y="2331076"/>
-            <a:ext cx="5499279" cy="369332"/>
+            <a:off x="2582209" y="2044519"/>
+            <a:ext cx="7521263" cy="523220"/>
           </a:xfrm>
           <a:prstGeom prst="rect">
             <a:avLst/>
@@ -3024,27 +3054,54 @@
           <a:p>
             <a:pPr algn="ctr"/>
             <a:r>
-              <a:rPr lang="pt-BR" dirty="0" smtClean="0">
+              <a:rPr lang="pt-BR" sz="2800" b="1" dirty="0" smtClean="0">
+                <a:solidFill>
+                  <a:schemeClr val="tx1">
+                    <a:lumMod val="75000"/>
+                    <a:lumOff val="25000"/>
+                  </a:schemeClr>
+                </a:solidFill>
                 <a:latin typeface="+mj-lt"/>
+                <a:cs typeface="Leelawadee UI Semilight" panose="020B0402040204020203" pitchFamily="34" charset="-34"/>
               </a:rPr>
-              <a:t>Tema: Projetar infraestrutura de rede corporativa</a:t>
-            </a:r>
-            <a:endParaRPr lang="pt-BR" dirty="0">
+              <a:t>Tema: </a:t>
+            </a:r>
+            <a:r>
+              <a:rPr lang="pt-BR" sz="2800" dirty="0" smtClean="0">
+                <a:solidFill>
+                  <a:schemeClr val="tx1">
+                    <a:lumMod val="75000"/>
+                    <a:lumOff val="25000"/>
+                  </a:schemeClr>
+                </a:solidFill>
+                <a:latin typeface="+mj-lt"/>
+                <a:cs typeface="Leelawadee UI Semilight" panose="020B0402040204020203" pitchFamily="34" charset="-34"/>
+              </a:rPr>
+              <a:t>Projetar infraestrutura de rede corporativa</a:t>
+            </a:r>
+            <a:endParaRPr lang="pt-BR" sz="2800" dirty="0">
+              <a:solidFill>
+                <a:schemeClr val="tx1">
+                  <a:lumMod val="75000"/>
+                  <a:lumOff val="25000"/>
+                </a:schemeClr>
+              </a:solidFill>
               <a:latin typeface="+mj-lt"/>
+              <a:cs typeface="Leelawadee UI Semilight" panose="020B0402040204020203" pitchFamily="34" charset="-34"/>
             </a:endParaRPr>
           </a:p>
         </p:txBody>
       </p:sp>
       <p:sp>
         <p:nvSpPr>
-          <p:cNvPr id="7" name="CaixaDeTexto 6"/>
+          <p:cNvPr id="8" name="CaixaDeTexto 7"/>
           <p:cNvSpPr txBox="1"/>
           <p:nvPr/>
         </p:nvSpPr>
         <p:spPr>
           <a:xfrm>
-            <a:off x="3928055" y="2786197"/>
-            <a:ext cx="4288665" cy="369332"/>
+            <a:off x="4198507" y="2567739"/>
+            <a:ext cx="4288665" cy="461665"/>
           </a:xfrm>
           <a:prstGeom prst="rect">
             <a:avLst/>
@@ -3059,47 +3116,36 @@
           <a:p>
             <a:pPr algn="ctr"/>
             <a:r>
-              <a:rPr lang="pt-BR" dirty="0" smtClean="0">
+              <a:rPr lang="pt-BR" sz="2400" b="1" dirty="0" smtClean="0">
+                <a:solidFill>
+                  <a:schemeClr val="tx1">
+                    <a:lumMod val="75000"/>
+                    <a:lumOff val="25000"/>
+                  </a:schemeClr>
+                </a:solidFill>
                 <a:latin typeface="+mj-lt"/>
               </a:rPr>
-              <a:t>Cliente: Blue Informática</a:t>
-            </a:r>
-            <a:endParaRPr lang="pt-BR" dirty="0">
-              <a:latin typeface="+mj-lt"/>
-            </a:endParaRPr>
-          </a:p>
-        </p:txBody>
-      </p:sp>
-      <p:sp>
-        <p:nvSpPr>
-          <p:cNvPr id="8" name="CaixaDeTexto 7"/>
-          <p:cNvSpPr txBox="1"/>
-          <p:nvPr/>
-        </p:nvSpPr>
-        <p:spPr>
-          <a:xfrm>
-            <a:off x="3767070" y="3187825"/>
-            <a:ext cx="4288665" cy="369332"/>
-          </a:xfrm>
-          <a:prstGeom prst="rect">
-            <a:avLst/>
-          </a:prstGeom>
-          <a:noFill/>
-        </p:spPr>
-        <p:txBody>
-          <a:bodyPr wrap="square" rtlCol="0">
-            <a:spAutoFit/>
-          </a:bodyPr>
-          <a:lstStyle/>
-          <a:p>
-            <a:pPr algn="ctr"/>
-            <a:r>
-              <a:rPr lang="pt-BR" dirty="0" smtClean="0">
+              <a:t>Cenário: </a:t>
+            </a:r>
+            <a:r>
+              <a:rPr lang="pt-BR" sz="2400" dirty="0" smtClean="0">
+                <a:solidFill>
+                  <a:schemeClr val="tx1">
+                    <a:lumMod val="75000"/>
+                    <a:lumOff val="25000"/>
+                  </a:schemeClr>
+                </a:solidFill>
                 <a:latin typeface="+mj-lt"/>
               </a:rPr>
-              <a:t>Cenário: 02</a:t>
-            </a:r>
-            <a:endParaRPr lang="pt-BR" dirty="0">
+              <a:t>02</a:t>
+            </a:r>
+            <a:endParaRPr lang="pt-BR" sz="2400" dirty="0">
+              <a:solidFill>
+                <a:schemeClr val="tx1">
+                  <a:lumMod val="75000"/>
+                  <a:lumOff val="25000"/>
+                </a:schemeClr>
+              </a:solidFill>
               <a:latin typeface="+mj-lt"/>
             </a:endParaRPr>
           </a:p>
@@ -3122,6 +3168,751 @@
       </p:par>
     </p:tnLst>
   </p:timing>
+</p:sld>
+</file>
+
+<file path=ppt/slides/slide10.xml><?xml version="1.0" encoding="utf-8"?>
+<p:sld xmlns:a="http://schemas.openxmlformats.org/drawingml/2006/main" xmlns:r="http://schemas.openxmlformats.org/officeDocument/2006/relationships" xmlns:p="http://schemas.openxmlformats.org/presentationml/2006/main">
+  <p:cSld>
+    <p:spTree>
+      <p:nvGrpSpPr>
+        <p:cNvPr id="1" name=""/>
+        <p:cNvGrpSpPr/>
+        <p:nvPr/>
+      </p:nvGrpSpPr>
+      <p:grpSpPr>
+        <a:xfrm>
+          <a:off x="0" y="0"/>
+          <a:ext cx="0" cy="0"/>
+          <a:chOff x="0" y="0"/>
+          <a:chExt cx="0" cy="0"/>
+        </a:xfrm>
+      </p:grpSpPr>
+      <p:pic>
+        <p:nvPicPr>
+          <p:cNvPr id="7" name="Imagem 6"/>
+          <p:cNvPicPr>
+            <a:picLocks noChangeAspect="1"/>
+          </p:cNvPicPr>
+          <p:nvPr/>
+        </p:nvPicPr>
+        <p:blipFill>
+          <a:blip r:embed="rId2" cstate="print">
+            <a:extLst>
+              <a:ext uri="{28A0092B-C50C-407E-A947-70E740481C1C}">
+                <a14:useLocalDpi xmlns:a14="http://schemas.microsoft.com/office/drawing/2010/main" val="0"/>
+              </a:ext>
+            </a:extLst>
+          </a:blip>
+          <a:stretch>
+            <a:fillRect/>
+          </a:stretch>
+        </p:blipFill>
+        <p:spPr>
+          <a:xfrm>
+            <a:off x="10847804" y="0"/>
+            <a:ext cx="1137871" cy="1011441"/>
+          </a:xfrm>
+          <a:prstGeom prst="rect">
+            <a:avLst/>
+          </a:prstGeom>
+        </p:spPr>
+      </p:pic>
+      <p:sp>
+        <p:nvSpPr>
+          <p:cNvPr id="8" name="CaixaDeTexto 7"/>
+          <p:cNvSpPr txBox="1"/>
+          <p:nvPr/>
+        </p:nvSpPr>
+        <p:spPr>
+          <a:xfrm>
+            <a:off x="795630" y="234373"/>
+            <a:ext cx="5619238" cy="707886"/>
+          </a:xfrm>
+          <a:prstGeom prst="rect">
+            <a:avLst/>
+          </a:prstGeom>
+          <a:noFill/>
+        </p:spPr>
+        <p:txBody>
+          <a:bodyPr wrap="square" rtlCol="0">
+            <a:spAutoFit/>
+          </a:bodyPr>
+          <a:lstStyle/>
+          <a:p>
+            <a:r>
+              <a:rPr lang="pt-BR" sz="4000" dirty="0" smtClean="0">
+                <a:latin typeface="+mj-lt"/>
+              </a:rPr>
+              <a:t>X </a:t>
+            </a:r>
+            <a:r>
+              <a:rPr lang="pt-BR" sz="4000" dirty="0" err="1" smtClean="0">
+                <a:latin typeface="+mj-lt"/>
+              </a:rPr>
+              <a:t>Xxxxxxxxxxx</a:t>
+            </a:r>
+            <a:r>
+              <a:rPr lang="pt-BR" sz="4000" dirty="0" smtClean="0">
+                <a:latin typeface="+mj-lt"/>
+              </a:rPr>
+              <a:t>- Arthur</a:t>
+            </a:r>
+            <a:endParaRPr lang="pt-BR" sz="4000" dirty="0">
+              <a:latin typeface="+mj-lt"/>
+            </a:endParaRPr>
+          </a:p>
+        </p:txBody>
+      </p:sp>
+      <p:sp>
+        <p:nvSpPr>
+          <p:cNvPr id="10" name="CaixaDeTexto 9"/>
+          <p:cNvSpPr txBox="1"/>
+          <p:nvPr/>
+        </p:nvSpPr>
+        <p:spPr>
+          <a:xfrm>
+            <a:off x="1364566" y="2180492"/>
+            <a:ext cx="184731" cy="369332"/>
+          </a:xfrm>
+          <a:prstGeom prst="rect">
+            <a:avLst/>
+          </a:prstGeom>
+          <a:noFill/>
+        </p:spPr>
+        <p:txBody>
+          <a:bodyPr wrap="none" rtlCol="0">
+            <a:spAutoFit/>
+          </a:bodyPr>
+          <a:lstStyle/>
+          <a:p>
+            <a:endParaRPr lang="pt-BR" dirty="0"/>
+          </a:p>
+        </p:txBody>
+      </p:sp>
+    </p:spTree>
+    <p:extLst>
+      <p:ext uri="{BB962C8B-B14F-4D97-AF65-F5344CB8AC3E}">
+        <p14:creationId xmlns:p14="http://schemas.microsoft.com/office/powerpoint/2010/main" val="2498964727"/>
+      </p:ext>
+    </p:extLst>
+  </p:cSld>
+  <p:clrMapOvr>
+    <a:masterClrMapping/>
+  </p:clrMapOvr>
+</p:sld>
+</file>
+
+<file path=ppt/slides/slide11.xml><?xml version="1.0" encoding="utf-8"?>
+<p:sld xmlns:a="http://schemas.openxmlformats.org/drawingml/2006/main" xmlns:r="http://schemas.openxmlformats.org/officeDocument/2006/relationships" xmlns:p="http://schemas.openxmlformats.org/presentationml/2006/main">
+  <p:cSld>
+    <p:spTree>
+      <p:nvGrpSpPr>
+        <p:cNvPr id="1" name=""/>
+        <p:cNvGrpSpPr/>
+        <p:nvPr/>
+      </p:nvGrpSpPr>
+      <p:grpSpPr>
+        <a:xfrm>
+          <a:off x="0" y="0"/>
+          <a:ext cx="0" cy="0"/>
+          <a:chOff x="0" y="0"/>
+          <a:chExt cx="0" cy="0"/>
+        </a:xfrm>
+      </p:grpSpPr>
+      <p:pic>
+        <p:nvPicPr>
+          <p:cNvPr id="7" name="Imagem 6"/>
+          <p:cNvPicPr>
+            <a:picLocks noChangeAspect="1"/>
+          </p:cNvPicPr>
+          <p:nvPr/>
+        </p:nvPicPr>
+        <p:blipFill>
+          <a:blip r:embed="rId2" cstate="print">
+            <a:extLst>
+              <a:ext uri="{28A0092B-C50C-407E-A947-70E740481C1C}">
+                <a14:useLocalDpi xmlns:a14="http://schemas.microsoft.com/office/drawing/2010/main" val="0"/>
+              </a:ext>
+            </a:extLst>
+          </a:blip>
+          <a:stretch>
+            <a:fillRect/>
+          </a:stretch>
+        </p:blipFill>
+        <p:spPr>
+          <a:xfrm>
+            <a:off x="10847804" y="0"/>
+            <a:ext cx="1137871" cy="1011441"/>
+          </a:xfrm>
+          <a:prstGeom prst="rect">
+            <a:avLst/>
+          </a:prstGeom>
+        </p:spPr>
+      </p:pic>
+      <p:sp>
+        <p:nvSpPr>
+          <p:cNvPr id="8" name="CaixaDeTexto 7"/>
+          <p:cNvSpPr txBox="1"/>
+          <p:nvPr/>
+        </p:nvSpPr>
+        <p:spPr>
+          <a:xfrm>
+            <a:off x="795630" y="234373"/>
+            <a:ext cx="5619238" cy="707886"/>
+          </a:xfrm>
+          <a:prstGeom prst="rect">
+            <a:avLst/>
+          </a:prstGeom>
+          <a:noFill/>
+        </p:spPr>
+        <p:txBody>
+          <a:bodyPr wrap="square" rtlCol="0">
+            <a:spAutoFit/>
+          </a:bodyPr>
+          <a:lstStyle/>
+          <a:p>
+            <a:r>
+              <a:rPr lang="pt-BR" sz="4000" dirty="0" smtClean="0">
+                <a:latin typeface="+mj-lt"/>
+              </a:rPr>
+              <a:t>Computadores</a:t>
+            </a:r>
+            <a:endParaRPr lang="pt-BR" sz="4000" dirty="0">
+              <a:latin typeface="+mj-lt"/>
+            </a:endParaRPr>
+          </a:p>
+        </p:txBody>
+      </p:sp>
+      <p:sp>
+        <p:nvSpPr>
+          <p:cNvPr id="10" name="CaixaDeTexto 9"/>
+          <p:cNvSpPr txBox="1"/>
+          <p:nvPr/>
+        </p:nvSpPr>
+        <p:spPr>
+          <a:xfrm>
+            <a:off x="1364566" y="2180492"/>
+            <a:ext cx="184731" cy="369332"/>
+          </a:xfrm>
+          <a:prstGeom prst="rect">
+            <a:avLst/>
+          </a:prstGeom>
+          <a:noFill/>
+        </p:spPr>
+        <p:txBody>
+          <a:bodyPr wrap="none" rtlCol="0">
+            <a:spAutoFit/>
+          </a:bodyPr>
+          <a:lstStyle/>
+          <a:p>
+            <a:endParaRPr lang="pt-BR" dirty="0"/>
+          </a:p>
+        </p:txBody>
+      </p:sp>
+    </p:spTree>
+    <p:extLst>
+      <p:ext uri="{BB962C8B-B14F-4D97-AF65-F5344CB8AC3E}">
+        <p14:creationId xmlns:p14="http://schemas.microsoft.com/office/powerpoint/2010/main" val="3005586988"/>
+      </p:ext>
+    </p:extLst>
+  </p:cSld>
+  <p:clrMapOvr>
+    <a:masterClrMapping/>
+  </p:clrMapOvr>
+</p:sld>
+</file>
+
+<file path=ppt/slides/slide12.xml><?xml version="1.0" encoding="utf-8"?>
+<p:sld xmlns:a="http://schemas.openxmlformats.org/drawingml/2006/main" xmlns:r="http://schemas.openxmlformats.org/officeDocument/2006/relationships" xmlns:p="http://schemas.openxmlformats.org/presentationml/2006/main">
+  <p:cSld>
+    <p:spTree>
+      <p:nvGrpSpPr>
+        <p:cNvPr id="1" name=""/>
+        <p:cNvGrpSpPr/>
+        <p:nvPr/>
+      </p:nvGrpSpPr>
+      <p:grpSpPr>
+        <a:xfrm>
+          <a:off x="0" y="0"/>
+          <a:ext cx="0" cy="0"/>
+          <a:chOff x="0" y="0"/>
+          <a:chExt cx="0" cy="0"/>
+        </a:xfrm>
+      </p:grpSpPr>
+      <p:pic>
+        <p:nvPicPr>
+          <p:cNvPr id="7" name="Imagem 6"/>
+          <p:cNvPicPr>
+            <a:picLocks noChangeAspect="1"/>
+          </p:cNvPicPr>
+          <p:nvPr/>
+        </p:nvPicPr>
+        <p:blipFill>
+          <a:blip r:embed="rId2" cstate="print">
+            <a:extLst>
+              <a:ext uri="{28A0092B-C50C-407E-A947-70E740481C1C}">
+                <a14:useLocalDpi xmlns:a14="http://schemas.microsoft.com/office/drawing/2010/main" val="0"/>
+              </a:ext>
+            </a:extLst>
+          </a:blip>
+          <a:stretch>
+            <a:fillRect/>
+          </a:stretch>
+        </p:blipFill>
+        <p:spPr>
+          <a:xfrm>
+            <a:off x="10847804" y="0"/>
+            <a:ext cx="1137871" cy="1011441"/>
+          </a:xfrm>
+          <a:prstGeom prst="rect">
+            <a:avLst/>
+          </a:prstGeom>
+        </p:spPr>
+      </p:pic>
+      <p:sp>
+        <p:nvSpPr>
+          <p:cNvPr id="8" name="CaixaDeTexto 7"/>
+          <p:cNvSpPr txBox="1"/>
+          <p:nvPr/>
+        </p:nvSpPr>
+        <p:spPr>
+          <a:xfrm>
+            <a:off x="795630" y="234373"/>
+            <a:ext cx="5619238" cy="707886"/>
+          </a:xfrm>
+          <a:prstGeom prst="rect">
+            <a:avLst/>
+          </a:prstGeom>
+          <a:noFill/>
+        </p:spPr>
+        <p:txBody>
+          <a:bodyPr wrap="square" rtlCol="0">
+            <a:spAutoFit/>
+          </a:bodyPr>
+          <a:lstStyle/>
+          <a:p>
+            <a:r>
+              <a:rPr lang="pt-BR" sz="4000" dirty="0" smtClean="0">
+                <a:latin typeface="+mj-lt"/>
+              </a:rPr>
+              <a:t>Computadores</a:t>
+            </a:r>
+            <a:endParaRPr lang="pt-BR" sz="4000" dirty="0">
+              <a:latin typeface="+mj-lt"/>
+            </a:endParaRPr>
+          </a:p>
+        </p:txBody>
+      </p:sp>
+      <p:sp>
+        <p:nvSpPr>
+          <p:cNvPr id="10" name="CaixaDeTexto 9"/>
+          <p:cNvSpPr txBox="1"/>
+          <p:nvPr/>
+        </p:nvSpPr>
+        <p:spPr>
+          <a:xfrm>
+            <a:off x="1364566" y="2180492"/>
+            <a:ext cx="184731" cy="369332"/>
+          </a:xfrm>
+          <a:prstGeom prst="rect">
+            <a:avLst/>
+          </a:prstGeom>
+          <a:noFill/>
+        </p:spPr>
+        <p:txBody>
+          <a:bodyPr wrap="none" rtlCol="0">
+            <a:spAutoFit/>
+          </a:bodyPr>
+          <a:lstStyle/>
+          <a:p>
+            <a:endParaRPr lang="pt-BR" dirty="0"/>
+          </a:p>
+        </p:txBody>
+      </p:sp>
+      <p:sp>
+        <p:nvSpPr>
+          <p:cNvPr id="2" name="CaixaDeTexto 1"/>
+          <p:cNvSpPr txBox="1"/>
+          <p:nvPr/>
+        </p:nvSpPr>
+        <p:spPr>
+          <a:xfrm>
+            <a:off x="795630" y="988611"/>
+            <a:ext cx="3277773" cy="400110"/>
+          </a:xfrm>
+          <a:prstGeom prst="rect">
+            <a:avLst/>
+          </a:prstGeom>
+          <a:noFill/>
+        </p:spPr>
+        <p:txBody>
+          <a:bodyPr wrap="square" rtlCol="0">
+            <a:spAutoFit/>
+          </a:bodyPr>
+          <a:lstStyle/>
+          <a:p>
+            <a:r>
+              <a:rPr lang="pt-BR" sz="2000" dirty="0" smtClean="0"/>
+              <a:t>Salas de Aula </a:t>
+            </a:r>
+            <a:endParaRPr lang="pt-BR" sz="2000" dirty="0"/>
+          </a:p>
+        </p:txBody>
+      </p:sp>
+      <p:sp>
+        <p:nvSpPr>
+          <p:cNvPr id="3" name="CaixaDeTexto 2"/>
+          <p:cNvSpPr txBox="1"/>
+          <p:nvPr/>
+        </p:nvSpPr>
+        <p:spPr>
+          <a:xfrm>
+            <a:off x="4850240" y="1380273"/>
+            <a:ext cx="3129256" cy="800219"/>
+          </a:xfrm>
+          <a:prstGeom prst="rect">
+            <a:avLst/>
+          </a:prstGeom>
+          <a:noFill/>
+        </p:spPr>
+        <p:txBody>
+          <a:bodyPr wrap="square" rtlCol="0">
+            <a:spAutoFit/>
+          </a:bodyPr>
+          <a:lstStyle/>
+          <a:p>
+            <a:r>
+              <a:rPr lang="pt-BR" sz="2800" u="sng" dirty="0" smtClean="0"/>
+              <a:t>Think</a:t>
+            </a:r>
+            <a:r>
+              <a:rPr lang="pt-BR" sz="2800" b="1" dirty="0" smtClean="0">
+                <a:solidFill>
+                  <a:srgbClr val="C00000"/>
+                </a:solidFill>
+              </a:rPr>
+              <a:t>Power</a:t>
+            </a:r>
+            <a:endParaRPr lang="pt-BR" b="1" dirty="0">
+              <a:solidFill>
+                <a:srgbClr val="C00000"/>
+              </a:solidFill>
+            </a:endParaRPr>
+          </a:p>
+          <a:p>
+            <a:r>
+              <a:rPr lang="pt-BR" dirty="0" smtClean="0"/>
+              <a:t> </a:t>
+            </a:r>
+            <a:endParaRPr lang="pt-BR" dirty="0"/>
+          </a:p>
+        </p:txBody>
+      </p:sp>
+      <p:sp>
+        <p:nvSpPr>
+          <p:cNvPr id="4" name="CaixaDeTexto 3"/>
+          <p:cNvSpPr txBox="1"/>
+          <p:nvPr/>
+        </p:nvSpPr>
+        <p:spPr>
+          <a:xfrm>
+            <a:off x="1055077" y="2169996"/>
+            <a:ext cx="3587262" cy="400110"/>
+          </a:xfrm>
+          <a:prstGeom prst="rect">
+            <a:avLst/>
+          </a:prstGeom>
+          <a:noFill/>
+        </p:spPr>
+        <p:txBody>
+          <a:bodyPr wrap="square" rtlCol="0">
+            <a:spAutoFit/>
+          </a:bodyPr>
+          <a:lstStyle/>
+          <a:p>
+            <a:r>
+              <a:rPr lang="pt-BR" sz="2000" dirty="0" smtClean="0">
+                <a:latin typeface="+mj-lt"/>
+              </a:rPr>
+              <a:t>Opção mínima</a:t>
+            </a:r>
+            <a:endParaRPr lang="pt-BR" sz="2000" dirty="0">
+              <a:latin typeface="+mj-lt"/>
+            </a:endParaRPr>
+          </a:p>
+        </p:txBody>
+      </p:sp>
+      <p:sp>
+        <p:nvSpPr>
+          <p:cNvPr id="9" name="CaixaDeTexto 8"/>
+          <p:cNvSpPr txBox="1"/>
+          <p:nvPr/>
+        </p:nvSpPr>
+        <p:spPr>
+          <a:xfrm>
+            <a:off x="8645403" y="2185849"/>
+            <a:ext cx="3587262" cy="400110"/>
+          </a:xfrm>
+          <a:prstGeom prst="rect">
+            <a:avLst/>
+          </a:prstGeom>
+          <a:noFill/>
+        </p:spPr>
+        <p:txBody>
+          <a:bodyPr wrap="square" rtlCol="0">
+            <a:spAutoFit/>
+          </a:bodyPr>
+          <a:lstStyle/>
+          <a:p>
+            <a:r>
+              <a:rPr lang="pt-BR" sz="2000" dirty="0" smtClean="0">
+                <a:latin typeface="+mj-lt"/>
+              </a:rPr>
+              <a:t>Opção recomendada</a:t>
+            </a:r>
+            <a:endParaRPr lang="pt-BR" sz="2000" dirty="0">
+              <a:latin typeface="+mj-lt"/>
+            </a:endParaRPr>
+          </a:p>
+        </p:txBody>
+      </p:sp>
+      <p:sp>
+        <p:nvSpPr>
+          <p:cNvPr id="11" name="CaixaDeTexto 10"/>
+          <p:cNvSpPr txBox="1"/>
+          <p:nvPr/>
+        </p:nvSpPr>
+        <p:spPr>
+          <a:xfrm>
+            <a:off x="4850240" y="2180492"/>
+            <a:ext cx="3587262" cy="400110"/>
+          </a:xfrm>
+          <a:prstGeom prst="rect">
+            <a:avLst/>
+          </a:prstGeom>
+          <a:noFill/>
+        </p:spPr>
+        <p:txBody>
+          <a:bodyPr wrap="square" rtlCol="0">
+            <a:spAutoFit/>
+          </a:bodyPr>
+          <a:lstStyle/>
+          <a:p>
+            <a:r>
+              <a:rPr lang="pt-BR" sz="2000" dirty="0" smtClean="0">
+                <a:latin typeface="+mj-lt"/>
+              </a:rPr>
+              <a:t>Opção mediana</a:t>
+            </a:r>
+            <a:endParaRPr lang="pt-BR" sz="2000" dirty="0">
+              <a:latin typeface="+mj-lt"/>
+            </a:endParaRPr>
+          </a:p>
+        </p:txBody>
+      </p:sp>
+      <p:pic>
+        <p:nvPicPr>
+          <p:cNvPr id="12" name="Imagem 11"/>
+          <p:cNvPicPr>
+            <a:picLocks noChangeAspect="1"/>
+          </p:cNvPicPr>
+          <p:nvPr/>
+        </p:nvPicPr>
+        <p:blipFill>
+          <a:blip r:embed="rId3" cstate="print">
+            <a:extLst>
+              <a:ext uri="{28A0092B-C50C-407E-A947-70E740481C1C}">
+                <a14:useLocalDpi xmlns:a14="http://schemas.microsoft.com/office/drawing/2010/main" val="0"/>
+              </a:ext>
+            </a:extLst>
+          </a:blip>
+          <a:stretch>
+            <a:fillRect/>
+          </a:stretch>
+        </p:blipFill>
+        <p:spPr>
+          <a:xfrm>
+            <a:off x="624277" y="2938224"/>
+            <a:ext cx="740289" cy="1719238"/>
+          </a:xfrm>
+          <a:prstGeom prst="rect">
+            <a:avLst/>
+          </a:prstGeom>
+        </p:spPr>
+      </p:pic>
+    </p:spTree>
+    <p:extLst>
+      <p:ext uri="{BB962C8B-B14F-4D97-AF65-F5344CB8AC3E}">
+        <p14:creationId xmlns:p14="http://schemas.microsoft.com/office/powerpoint/2010/main" val="2829624188"/>
+      </p:ext>
+    </p:extLst>
+  </p:cSld>
+  <p:clrMapOvr>
+    <a:masterClrMapping/>
+  </p:clrMapOvr>
+</p:sld>
+</file>
+
+<file path=ppt/slides/slide13.xml><?xml version="1.0" encoding="utf-8"?>
+<p:sld xmlns:a="http://schemas.openxmlformats.org/drawingml/2006/main" xmlns:r="http://schemas.openxmlformats.org/officeDocument/2006/relationships" xmlns:p="http://schemas.openxmlformats.org/presentationml/2006/main">
+  <p:cSld>
+    <p:spTree>
+      <p:nvGrpSpPr>
+        <p:cNvPr id="1" name=""/>
+        <p:cNvGrpSpPr/>
+        <p:nvPr/>
+      </p:nvGrpSpPr>
+      <p:grpSpPr>
+        <a:xfrm>
+          <a:off x="0" y="0"/>
+          <a:ext cx="0" cy="0"/>
+          <a:chOff x="0" y="0"/>
+          <a:chExt cx="0" cy="0"/>
+        </a:xfrm>
+      </p:grpSpPr>
+      <p:pic>
+        <p:nvPicPr>
+          <p:cNvPr id="7" name="Imagem 6"/>
+          <p:cNvPicPr>
+            <a:picLocks noChangeAspect="1"/>
+          </p:cNvPicPr>
+          <p:nvPr/>
+        </p:nvPicPr>
+        <p:blipFill>
+          <a:blip r:embed="rId2" cstate="print">
+            <a:extLst>
+              <a:ext uri="{28A0092B-C50C-407E-A947-70E740481C1C}">
+                <a14:useLocalDpi xmlns:a14="http://schemas.microsoft.com/office/drawing/2010/main" val="0"/>
+              </a:ext>
+            </a:extLst>
+          </a:blip>
+          <a:stretch>
+            <a:fillRect/>
+          </a:stretch>
+        </p:blipFill>
+        <p:spPr>
+          <a:xfrm>
+            <a:off x="10847804" y="0"/>
+            <a:ext cx="1137871" cy="1011441"/>
+          </a:xfrm>
+          <a:prstGeom prst="rect">
+            <a:avLst/>
+          </a:prstGeom>
+        </p:spPr>
+      </p:pic>
+      <p:sp>
+        <p:nvSpPr>
+          <p:cNvPr id="8" name="CaixaDeTexto 7"/>
+          <p:cNvSpPr txBox="1"/>
+          <p:nvPr/>
+        </p:nvSpPr>
+        <p:spPr>
+          <a:xfrm>
+            <a:off x="795630" y="234373"/>
+            <a:ext cx="5619238" cy="707886"/>
+          </a:xfrm>
+          <a:prstGeom prst="rect">
+            <a:avLst/>
+          </a:prstGeom>
+          <a:noFill/>
+        </p:spPr>
+        <p:txBody>
+          <a:bodyPr wrap="square" rtlCol="0">
+            <a:spAutoFit/>
+          </a:bodyPr>
+          <a:lstStyle/>
+          <a:p>
+            <a:r>
+              <a:rPr lang="pt-BR" sz="4000" dirty="0" smtClean="0">
+                <a:latin typeface="+mj-lt"/>
+              </a:rPr>
+              <a:t>X </a:t>
+            </a:r>
+            <a:r>
+              <a:rPr lang="pt-BR" sz="4000" dirty="0" err="1" smtClean="0">
+                <a:latin typeface="+mj-lt"/>
+              </a:rPr>
+              <a:t>Xxxxxxxxxxx</a:t>
+            </a:r>
+            <a:r>
+              <a:rPr lang="pt-BR" sz="4000" dirty="0" smtClean="0">
+                <a:latin typeface="+mj-lt"/>
+              </a:rPr>
+              <a:t>-Todos</a:t>
+            </a:r>
+            <a:endParaRPr lang="pt-BR" sz="4000" dirty="0">
+              <a:latin typeface="+mj-lt"/>
+            </a:endParaRPr>
+          </a:p>
+        </p:txBody>
+      </p:sp>
+      <p:sp>
+        <p:nvSpPr>
+          <p:cNvPr id="10" name="CaixaDeTexto 9"/>
+          <p:cNvSpPr txBox="1"/>
+          <p:nvPr/>
+        </p:nvSpPr>
+        <p:spPr>
+          <a:xfrm>
+            <a:off x="1364566" y="2180492"/>
+            <a:ext cx="184731" cy="369332"/>
+          </a:xfrm>
+          <a:prstGeom prst="rect">
+            <a:avLst/>
+          </a:prstGeom>
+          <a:noFill/>
+        </p:spPr>
+        <p:txBody>
+          <a:bodyPr wrap="none" rtlCol="0">
+            <a:spAutoFit/>
+          </a:bodyPr>
+          <a:lstStyle/>
+          <a:p>
+            <a:endParaRPr lang="pt-BR" dirty="0"/>
+          </a:p>
+        </p:txBody>
+      </p:sp>
+      <p:sp>
+        <p:nvSpPr>
+          <p:cNvPr id="2" name="CaixaDeTexto 1"/>
+          <p:cNvSpPr txBox="1"/>
+          <p:nvPr/>
+        </p:nvSpPr>
+        <p:spPr>
+          <a:xfrm>
+            <a:off x="795630" y="1547446"/>
+            <a:ext cx="9347176" cy="369332"/>
+          </a:xfrm>
+          <a:prstGeom prst="rect">
+            <a:avLst/>
+          </a:prstGeom>
+          <a:noFill/>
+        </p:spPr>
+        <p:txBody>
+          <a:bodyPr wrap="square" rtlCol="0">
+            <a:spAutoFit/>
+          </a:bodyPr>
+          <a:lstStyle/>
+          <a:p>
+            <a:r>
+              <a:rPr lang="pt-BR" dirty="0" smtClean="0"/>
+              <a:t>Resultados dos Orçamentos </a:t>
+            </a:r>
+            <a:endParaRPr lang="pt-BR" dirty="0"/>
+          </a:p>
+        </p:txBody>
+      </p:sp>
+    </p:spTree>
+    <p:extLst>
+      <p:ext uri="{BB962C8B-B14F-4D97-AF65-F5344CB8AC3E}">
+        <p14:creationId xmlns:p14="http://schemas.microsoft.com/office/powerpoint/2010/main" val="1664017675"/>
+      </p:ext>
+    </p:extLst>
+  </p:cSld>
+  <p:clrMapOvr>
+    <a:masterClrMapping/>
+  </p:clrMapOvr>
 </p:sld>
 </file>
 
@@ -3164,12 +3955,19 @@
         </p:blipFill>
         <p:spPr>
           <a:xfrm>
-            <a:off x="4211393" y="1240096"/>
-            <a:ext cx="4198512" cy="2172822"/>
+            <a:off x="3479674" y="948594"/>
+            <a:ext cx="4868213" cy="2519407"/>
           </a:xfrm>
           <a:prstGeom prst="rect">
             <a:avLst/>
           </a:prstGeom>
+          <a:effectLst>
+            <a:outerShdw blurRad="50800" dist="50800" dir="5400000" algn="ctr" rotWithShape="0">
+              <a:srgbClr val="000000">
+                <a:alpha val="44000"/>
+              </a:srgbClr>
+            </a:outerShdw>
+          </a:effectLst>
         </p:spPr>
       </p:pic>
       <p:sp>
@@ -3180,7 +3978,7 @@
         </p:nvSpPr>
         <p:spPr>
           <a:xfrm>
-            <a:off x="2550017" y="4275786"/>
+            <a:off x="2099256" y="4082603"/>
             <a:ext cx="7572779" cy="1231106"/>
           </a:xfrm>
           <a:prstGeom prst="rect">
@@ -3197,22 +3995,92 @@
             <a:pPr algn="ctr"/>
             <a:r>
               <a:rPr lang="pt-BR" sz="2800" b="1" dirty="0" smtClean="0">
-                <a:latin typeface="+mj-lt"/>
+                <a:solidFill>
+                  <a:schemeClr val="tx1">
+                    <a:lumMod val="75000"/>
+                    <a:lumOff val="25000"/>
+                  </a:schemeClr>
+                </a:solidFill>
+                <a:latin typeface="Calibri Light" panose="020F0302020204030204" pitchFamily="34" charset="0"/>
+                <a:cs typeface="Calibri Light" panose="020F0302020204030204" pitchFamily="34" charset="0"/>
               </a:rPr>
-              <a:t>Projeto</a:t>
-            </a:r>
+              <a:t>Projeto:</a:t>
+            </a:r>
+            <a:r>
+              <a:rPr lang="pt-BR" sz="2800" dirty="0">
+                <a:solidFill>
+                  <a:schemeClr val="tx1">
+                    <a:lumMod val="75000"/>
+                    <a:lumOff val="25000"/>
+                  </a:schemeClr>
+                </a:solidFill>
+                <a:latin typeface="Calibri Light" panose="020F0302020204030204" pitchFamily="34" charset="0"/>
+                <a:cs typeface="Calibri Light" panose="020F0302020204030204" pitchFamily="34" charset="0"/>
+              </a:rPr>
+              <a:t> </a:t>
+            </a:r>
+            <a:r>
+              <a:rPr lang="pt-BR" sz="2800" dirty="0" smtClean="0">
+                <a:solidFill>
+                  <a:schemeClr val="tx1">
+                    <a:lumMod val="75000"/>
+                    <a:lumOff val="25000"/>
+                  </a:schemeClr>
+                </a:solidFill>
+                <a:latin typeface="Calibri Light" panose="020F0302020204030204" pitchFamily="34" charset="0"/>
+                <a:cs typeface="Calibri Light" panose="020F0302020204030204" pitchFamily="34" charset="0"/>
+              </a:rPr>
+              <a:t>Infraestrutura de Rede corporativa </a:t>
+            </a:r>
+            <a:endParaRPr lang="pt-BR" sz="2800" dirty="0" smtClean="0">
+              <a:solidFill>
+                <a:schemeClr val="tx1">
+                  <a:lumMod val="75000"/>
+                  <a:lumOff val="25000"/>
+                </a:schemeClr>
+              </a:solidFill>
+              <a:latin typeface="Calibri Light" panose="020F0302020204030204" pitchFamily="34" charset="0"/>
+              <a:cs typeface="Calibri Light" panose="020F0302020204030204" pitchFamily="34" charset="0"/>
+            </a:endParaRPr>
           </a:p>
           <a:p>
             <a:pPr algn="ctr"/>
             <a:r>
+              <a:rPr lang="pt-BR" sz="2800" b="1" dirty="0" smtClean="0">
+                <a:solidFill>
+                  <a:schemeClr val="tx1">
+                    <a:lumMod val="75000"/>
+                    <a:lumOff val="25000"/>
+                  </a:schemeClr>
+                </a:solidFill>
+                <a:latin typeface="Calibri Light" panose="020F0302020204030204" pitchFamily="34" charset="0"/>
+                <a:cs typeface="Calibri Light" panose="020F0302020204030204" pitchFamily="34" charset="0"/>
+              </a:rPr>
+              <a:t>Cliente:</a:t>
+            </a:r>
+            <a:r>
               <a:rPr lang="pt-BR" sz="2800" dirty="0" smtClean="0">
-                <a:latin typeface="+mj-lt"/>
+                <a:solidFill>
+                  <a:schemeClr val="tx1">
+                    <a:lumMod val="75000"/>
+                    <a:lumOff val="25000"/>
+                  </a:schemeClr>
+                </a:solidFill>
+                <a:latin typeface="Calibri Light" panose="020F0302020204030204" pitchFamily="34" charset="0"/>
+                <a:cs typeface="Calibri Light" panose="020F0302020204030204" pitchFamily="34" charset="0"/>
               </a:rPr>
-              <a:t>Infraestrutura de Rede do Cliente </a:t>
-            </a:r>
-            <a:r>
-              <a:rPr lang="pt-BR" sz="2800" b="1" dirty="0" smtClean="0">
-                <a:latin typeface="+mj-lt"/>
+              <a:t> </a:t>
+            </a:r>
+            <a:r>
+              <a:rPr lang="pt-BR" sz="2800" dirty="0" smtClean="0">
+                <a:solidFill>
+                  <a:schemeClr val="tx1">
+                    <a:lumMod val="75000"/>
+                    <a:lumOff val="25000"/>
+                  </a:schemeClr>
+                </a:solidFill>
+                <a:latin typeface="Calibri Light" panose="020F0302020204030204" pitchFamily="34" charset="0"/>
+                <a:cs typeface="Calibri Light" panose="020F0302020204030204" pitchFamily="34" charset="0"/>
               </a:rPr>
               <a:t>Blue Informática</a:t>
             </a:r>
@@ -3316,6 +4184,1149 @@
       </p:par>
     </p:tnLst>
   </p:timing>
+</p:sld>
+</file>
+
+<file path=ppt/slides/slide3.xml><?xml version="1.0" encoding="utf-8"?>
+<p:sld xmlns:a="http://schemas.openxmlformats.org/drawingml/2006/main" xmlns:r="http://schemas.openxmlformats.org/officeDocument/2006/relationships" xmlns:p="http://schemas.openxmlformats.org/presentationml/2006/main">
+  <p:cSld>
+    <p:spTree>
+      <p:nvGrpSpPr>
+        <p:cNvPr id="1" name=""/>
+        <p:cNvGrpSpPr/>
+        <p:nvPr/>
+      </p:nvGrpSpPr>
+      <p:grpSpPr>
+        <a:xfrm>
+          <a:off x="0" y="0"/>
+          <a:ext cx="0" cy="0"/>
+          <a:chOff x="0" y="0"/>
+          <a:chExt cx="0" cy="0"/>
+        </a:xfrm>
+      </p:grpSpPr>
+      <p:pic>
+        <p:nvPicPr>
+          <p:cNvPr id="7" name="Imagem 6"/>
+          <p:cNvPicPr>
+            <a:picLocks noChangeAspect="1"/>
+          </p:cNvPicPr>
+          <p:nvPr/>
+        </p:nvPicPr>
+        <p:blipFill>
+          <a:blip r:embed="rId2" cstate="print">
+            <a:extLst>
+              <a:ext uri="{28A0092B-C50C-407E-A947-70E740481C1C}">
+                <a14:useLocalDpi xmlns:a14="http://schemas.microsoft.com/office/drawing/2010/main" val="0"/>
+              </a:ext>
+            </a:extLst>
+          </a:blip>
+          <a:stretch>
+            <a:fillRect/>
+          </a:stretch>
+        </p:blipFill>
+        <p:spPr>
+          <a:xfrm>
+            <a:off x="10847804" y="0"/>
+            <a:ext cx="1137871" cy="1011441"/>
+          </a:xfrm>
+          <a:prstGeom prst="rect">
+            <a:avLst/>
+          </a:prstGeom>
+        </p:spPr>
+      </p:pic>
+      <p:sp>
+        <p:nvSpPr>
+          <p:cNvPr id="8" name="CaixaDeTexto 7"/>
+          <p:cNvSpPr txBox="1"/>
+          <p:nvPr/>
+        </p:nvSpPr>
+        <p:spPr>
+          <a:xfrm>
+            <a:off x="795630" y="234373"/>
+            <a:ext cx="2532184" cy="707886"/>
+          </a:xfrm>
+          <a:prstGeom prst="rect">
+            <a:avLst/>
+          </a:prstGeom>
+          <a:noFill/>
+        </p:spPr>
+        <p:txBody>
+          <a:bodyPr wrap="square" rtlCol="0">
+            <a:spAutoFit/>
+          </a:bodyPr>
+          <a:lstStyle/>
+          <a:p>
+            <a:r>
+              <a:rPr lang="pt-BR" sz="4000" dirty="0" smtClean="0">
+                <a:latin typeface="+mj-lt"/>
+              </a:rPr>
+              <a:t>O Cliente</a:t>
+            </a:r>
+            <a:endParaRPr lang="pt-BR" sz="4000" dirty="0">
+              <a:latin typeface="+mj-lt"/>
+            </a:endParaRPr>
+          </a:p>
+        </p:txBody>
+      </p:sp>
+      <p:pic>
+        <p:nvPicPr>
+          <p:cNvPr id="9" name="Imagem 8"/>
+          <p:cNvPicPr>
+            <a:picLocks noChangeAspect="1"/>
+          </p:cNvPicPr>
+          <p:nvPr/>
+        </p:nvPicPr>
+        <p:blipFill>
+          <a:blip r:embed="rId3" cstate="print">
+            <a:extLst>
+              <a:ext uri="{28A0092B-C50C-407E-A947-70E740481C1C}">
+                <a14:useLocalDpi xmlns:a14="http://schemas.microsoft.com/office/drawing/2010/main" val="0"/>
+              </a:ext>
+            </a:extLst>
+          </a:blip>
+          <a:stretch>
+            <a:fillRect/>
+          </a:stretch>
+        </p:blipFill>
+        <p:spPr>
+          <a:xfrm>
+            <a:off x="7246474" y="2119973"/>
+            <a:ext cx="4170265" cy="1397176"/>
+          </a:xfrm>
+          <a:prstGeom prst="rect">
+            <a:avLst/>
+          </a:prstGeom>
+        </p:spPr>
+      </p:pic>
+      <p:sp>
+        <p:nvSpPr>
+          <p:cNvPr id="10" name="CaixaDeTexto 9"/>
+          <p:cNvSpPr txBox="1"/>
+          <p:nvPr/>
+        </p:nvSpPr>
+        <p:spPr>
+          <a:xfrm>
+            <a:off x="1364566" y="2180492"/>
+            <a:ext cx="184731" cy="369332"/>
+          </a:xfrm>
+          <a:prstGeom prst="rect">
+            <a:avLst/>
+          </a:prstGeom>
+          <a:noFill/>
+        </p:spPr>
+        <p:txBody>
+          <a:bodyPr wrap="none" rtlCol="0">
+            <a:spAutoFit/>
+          </a:bodyPr>
+          <a:lstStyle/>
+          <a:p>
+            <a:endParaRPr lang="pt-BR" dirty="0"/>
+          </a:p>
+        </p:txBody>
+      </p:sp>
+      <p:sp>
+        <p:nvSpPr>
+          <p:cNvPr id="11" name="CaixaDeTexto 10"/>
+          <p:cNvSpPr txBox="1"/>
+          <p:nvPr/>
+        </p:nvSpPr>
+        <p:spPr>
+          <a:xfrm>
+            <a:off x="795630" y="1849065"/>
+            <a:ext cx="5641145" cy="1938992"/>
+          </a:xfrm>
+          <a:prstGeom prst="rect">
+            <a:avLst/>
+          </a:prstGeom>
+          <a:noFill/>
+        </p:spPr>
+        <p:txBody>
+          <a:bodyPr wrap="square" rtlCol="0">
+            <a:spAutoFit/>
+          </a:bodyPr>
+          <a:lstStyle/>
+          <a:p>
+            <a:r>
+              <a:rPr lang="pt-BR" sz="2400" b="1" dirty="0" smtClean="0">
+                <a:latin typeface="+mj-lt"/>
+              </a:rPr>
+              <a:t>Blue informática </a:t>
+            </a:r>
+          </a:p>
+          <a:p>
+            <a:r>
+              <a:rPr lang="pt-BR" sz="2400" dirty="0">
+                <a:latin typeface="+mj-lt"/>
+              </a:rPr>
+              <a:t> </a:t>
+            </a:r>
+            <a:endParaRPr lang="pt-BR" sz="2400" dirty="0" smtClean="0">
+              <a:latin typeface="+mj-lt"/>
+            </a:endParaRPr>
+          </a:p>
+          <a:p>
+            <a:r>
+              <a:rPr lang="pt-BR" sz="2400" dirty="0" smtClean="0">
+                <a:latin typeface="+mj-lt"/>
+              </a:rPr>
+              <a:t>A Blue Informática é </a:t>
+            </a:r>
+            <a:r>
+              <a:rPr lang="pt-BR" sz="2400" dirty="0">
+                <a:latin typeface="+mj-lt"/>
+              </a:rPr>
+              <a:t>uma rede de cursos profissionalizantes </a:t>
+            </a:r>
+            <a:r>
+              <a:rPr lang="pt-BR" sz="2400" dirty="0" smtClean="0">
+                <a:latin typeface="+mj-lt"/>
+              </a:rPr>
+              <a:t>atuante na cidade Niterói no Rio de Janeiro.</a:t>
+            </a:r>
+          </a:p>
+        </p:txBody>
+      </p:sp>
+      <p:sp>
+        <p:nvSpPr>
+          <p:cNvPr id="12" name="CaixaDeTexto 11"/>
+          <p:cNvSpPr txBox="1"/>
+          <p:nvPr/>
+        </p:nvSpPr>
+        <p:spPr>
+          <a:xfrm>
+            <a:off x="795630" y="4371697"/>
+            <a:ext cx="8637563" cy="707886"/>
+          </a:xfrm>
+          <a:prstGeom prst="rect">
+            <a:avLst/>
+          </a:prstGeom>
+          <a:noFill/>
+        </p:spPr>
+        <p:txBody>
+          <a:bodyPr wrap="square" rtlCol="0">
+            <a:spAutoFit/>
+          </a:bodyPr>
+          <a:lstStyle/>
+          <a:p>
+            <a:r>
+              <a:rPr lang="pt-BR" sz="2000" dirty="0" smtClean="0">
+                <a:latin typeface="+mj-lt"/>
+              </a:rPr>
+              <a:t>A empresa está recebendo diversas reclamações de alunos e funcionários referente a sua parte de TI, e convocou nós, a ABM para darmos uma solução. </a:t>
+            </a:r>
+            <a:endParaRPr lang="pt-BR" sz="2000" dirty="0">
+              <a:latin typeface="+mj-lt"/>
+            </a:endParaRPr>
+          </a:p>
+        </p:txBody>
+      </p:sp>
+    </p:spTree>
+    <p:extLst>
+      <p:ext uri="{BB962C8B-B14F-4D97-AF65-F5344CB8AC3E}">
+        <p14:creationId xmlns:p14="http://schemas.microsoft.com/office/powerpoint/2010/main" val="201797319"/>
+      </p:ext>
+    </p:extLst>
+  </p:cSld>
+  <p:clrMapOvr>
+    <a:masterClrMapping/>
+  </p:clrMapOvr>
+</p:sld>
+</file>
+
+<file path=ppt/slides/slide4.xml><?xml version="1.0" encoding="utf-8"?>
+<p:sld xmlns:a="http://schemas.openxmlformats.org/drawingml/2006/main" xmlns:r="http://schemas.openxmlformats.org/officeDocument/2006/relationships" xmlns:p="http://schemas.openxmlformats.org/presentationml/2006/main">
+  <p:cSld>
+    <p:spTree>
+      <p:nvGrpSpPr>
+        <p:cNvPr id="1" name=""/>
+        <p:cNvGrpSpPr/>
+        <p:nvPr/>
+      </p:nvGrpSpPr>
+      <p:grpSpPr>
+        <a:xfrm>
+          <a:off x="0" y="0"/>
+          <a:ext cx="0" cy="0"/>
+          <a:chOff x="0" y="0"/>
+          <a:chExt cx="0" cy="0"/>
+        </a:xfrm>
+      </p:grpSpPr>
+      <p:pic>
+        <p:nvPicPr>
+          <p:cNvPr id="7" name="Imagem 6"/>
+          <p:cNvPicPr>
+            <a:picLocks noChangeAspect="1"/>
+          </p:cNvPicPr>
+          <p:nvPr/>
+        </p:nvPicPr>
+        <p:blipFill>
+          <a:blip r:embed="rId2" cstate="print">
+            <a:extLst>
+              <a:ext uri="{28A0092B-C50C-407E-A947-70E740481C1C}">
+                <a14:useLocalDpi xmlns:a14="http://schemas.microsoft.com/office/drawing/2010/main" val="0"/>
+              </a:ext>
+            </a:extLst>
+          </a:blip>
+          <a:stretch>
+            <a:fillRect/>
+          </a:stretch>
+        </p:blipFill>
+        <p:spPr>
+          <a:xfrm>
+            <a:off x="10847804" y="0"/>
+            <a:ext cx="1137871" cy="1011441"/>
+          </a:xfrm>
+          <a:prstGeom prst="rect">
+            <a:avLst/>
+          </a:prstGeom>
+        </p:spPr>
+      </p:pic>
+      <p:sp>
+        <p:nvSpPr>
+          <p:cNvPr id="8" name="CaixaDeTexto 7"/>
+          <p:cNvSpPr txBox="1"/>
+          <p:nvPr/>
+        </p:nvSpPr>
+        <p:spPr>
+          <a:xfrm>
+            <a:off x="795630" y="234373"/>
+            <a:ext cx="4142130" cy="707886"/>
+          </a:xfrm>
+          <a:prstGeom prst="rect">
+            <a:avLst/>
+          </a:prstGeom>
+          <a:noFill/>
+        </p:spPr>
+        <p:txBody>
+          <a:bodyPr wrap="square" rtlCol="0">
+            <a:spAutoFit/>
+          </a:bodyPr>
+          <a:lstStyle/>
+          <a:p>
+            <a:r>
+              <a:rPr lang="pt-BR" sz="4000" dirty="0" smtClean="0">
+                <a:latin typeface="+mj-lt"/>
+              </a:rPr>
+              <a:t>O Projeto</a:t>
+            </a:r>
+            <a:endParaRPr lang="pt-BR" sz="4000" dirty="0">
+              <a:latin typeface="+mj-lt"/>
+            </a:endParaRPr>
+          </a:p>
+        </p:txBody>
+      </p:sp>
+      <p:sp>
+        <p:nvSpPr>
+          <p:cNvPr id="10" name="CaixaDeTexto 9"/>
+          <p:cNvSpPr txBox="1"/>
+          <p:nvPr/>
+        </p:nvSpPr>
+        <p:spPr>
+          <a:xfrm>
+            <a:off x="1364566" y="2180492"/>
+            <a:ext cx="184731" cy="369332"/>
+          </a:xfrm>
+          <a:prstGeom prst="rect">
+            <a:avLst/>
+          </a:prstGeom>
+          <a:noFill/>
+        </p:spPr>
+        <p:txBody>
+          <a:bodyPr wrap="none" rtlCol="0">
+            <a:spAutoFit/>
+          </a:bodyPr>
+          <a:lstStyle/>
+          <a:p>
+            <a:endParaRPr lang="pt-BR" dirty="0"/>
+          </a:p>
+        </p:txBody>
+      </p:sp>
+      <p:sp>
+        <p:nvSpPr>
+          <p:cNvPr id="2" name="CaixaDeTexto 1"/>
+          <p:cNvSpPr txBox="1"/>
+          <p:nvPr/>
+        </p:nvSpPr>
+        <p:spPr>
+          <a:xfrm>
+            <a:off x="1364566" y="2381011"/>
+            <a:ext cx="8159261" cy="1938992"/>
+          </a:xfrm>
+          <a:prstGeom prst="rect">
+            <a:avLst/>
+          </a:prstGeom>
+          <a:noFill/>
+        </p:spPr>
+        <p:txBody>
+          <a:bodyPr wrap="square" rtlCol="0">
+            <a:spAutoFit/>
+          </a:bodyPr>
+          <a:lstStyle/>
+          <a:p>
+            <a:r>
+              <a:rPr lang="pt-BR" sz="2000" b="1" dirty="0" smtClean="0">
+                <a:latin typeface="+mj-lt"/>
+              </a:rPr>
+              <a:t>Objetivos</a:t>
+            </a:r>
+            <a:r>
+              <a:rPr lang="pt-BR" sz="2000" dirty="0" smtClean="0">
+                <a:latin typeface="+mj-lt"/>
+              </a:rPr>
+              <a:t>:</a:t>
+            </a:r>
+          </a:p>
+          <a:p>
+            <a:endParaRPr lang="pt-BR" sz="2000" dirty="0" smtClean="0">
+              <a:latin typeface="+mj-lt"/>
+            </a:endParaRPr>
+          </a:p>
+          <a:p>
+            <a:pPr marL="285750" indent="-285750">
+              <a:buFont typeface="Arial" panose="020B0604020202020204" pitchFamily="34" charset="0"/>
+              <a:buChar char="•"/>
+            </a:pPr>
+            <a:r>
+              <a:rPr lang="pt-BR" sz="2000" dirty="0" smtClean="0">
+                <a:latin typeface="+mj-lt"/>
+              </a:rPr>
+              <a:t>Ampliar </a:t>
+            </a:r>
+            <a:r>
+              <a:rPr lang="pt-BR" sz="2000" dirty="0">
+                <a:latin typeface="+mj-lt"/>
+              </a:rPr>
+              <a:t>os setores colaboradores da Blue Informática.</a:t>
+            </a:r>
+          </a:p>
+          <a:p>
+            <a:pPr marL="285750" indent="-285750">
+              <a:buFont typeface="Arial" panose="020B0604020202020204" pitchFamily="34" charset="0"/>
+              <a:buChar char="•"/>
+            </a:pPr>
+            <a:r>
+              <a:rPr lang="pt-BR" sz="2000" dirty="0" smtClean="0">
+                <a:latin typeface="+mj-lt"/>
+              </a:rPr>
+              <a:t>Gerenciamento </a:t>
+            </a:r>
+            <a:r>
+              <a:rPr lang="pt-BR" sz="2000" dirty="0">
+                <a:latin typeface="+mj-lt"/>
+              </a:rPr>
+              <a:t>e controle de cargos internos.</a:t>
+            </a:r>
+          </a:p>
+          <a:p>
+            <a:pPr marL="285750" indent="-285750">
+              <a:buFont typeface="Arial" panose="020B0604020202020204" pitchFamily="34" charset="0"/>
+              <a:buChar char="•"/>
+            </a:pPr>
+            <a:r>
+              <a:rPr lang="pt-BR" sz="2000" dirty="0" smtClean="0">
+                <a:latin typeface="+mj-lt"/>
+              </a:rPr>
+              <a:t>Organização </a:t>
+            </a:r>
+            <a:r>
+              <a:rPr lang="pt-BR" sz="2000" dirty="0">
+                <a:latin typeface="+mj-lt"/>
+              </a:rPr>
+              <a:t>das funções prestadas por cada funcionário</a:t>
+            </a:r>
+            <a:r>
+              <a:rPr lang="pt-BR" sz="2000" dirty="0" smtClean="0">
+                <a:latin typeface="+mj-lt"/>
+              </a:rPr>
+              <a:t>.</a:t>
+            </a:r>
+          </a:p>
+          <a:p>
+            <a:pPr marL="285750" indent="-285750">
+              <a:buFont typeface="Arial" panose="020B0604020202020204" pitchFamily="34" charset="0"/>
+              <a:buChar char="•"/>
+            </a:pPr>
+            <a:r>
+              <a:rPr lang="pt-BR" sz="2000" dirty="0" smtClean="0">
+                <a:latin typeface="+mj-lt"/>
+              </a:rPr>
+              <a:t>Melhorar a estrutura de rede.</a:t>
+            </a:r>
+            <a:endParaRPr lang="pt-BR" sz="2000" dirty="0">
+              <a:latin typeface="+mj-lt"/>
+            </a:endParaRPr>
+          </a:p>
+        </p:txBody>
+      </p:sp>
+    </p:spTree>
+    <p:extLst>
+      <p:ext uri="{BB962C8B-B14F-4D97-AF65-F5344CB8AC3E}">
+        <p14:creationId xmlns:p14="http://schemas.microsoft.com/office/powerpoint/2010/main" val="88515425"/>
+      </p:ext>
+    </p:extLst>
+  </p:cSld>
+  <p:clrMapOvr>
+    <a:masterClrMapping/>
+  </p:clrMapOvr>
+</p:sld>
+</file>
+
+<file path=ppt/slides/slide5.xml><?xml version="1.0" encoding="utf-8"?>
+<p:sld xmlns:a="http://schemas.openxmlformats.org/drawingml/2006/main" xmlns:r="http://schemas.openxmlformats.org/officeDocument/2006/relationships" xmlns:p="http://schemas.openxmlformats.org/presentationml/2006/main">
+  <p:cSld>
+    <p:spTree>
+      <p:nvGrpSpPr>
+        <p:cNvPr id="1" name=""/>
+        <p:cNvGrpSpPr/>
+        <p:nvPr/>
+      </p:nvGrpSpPr>
+      <p:grpSpPr>
+        <a:xfrm>
+          <a:off x="0" y="0"/>
+          <a:ext cx="0" cy="0"/>
+          <a:chOff x="0" y="0"/>
+          <a:chExt cx="0" cy="0"/>
+        </a:xfrm>
+      </p:grpSpPr>
+      <p:pic>
+        <p:nvPicPr>
+          <p:cNvPr id="7" name="Imagem 6"/>
+          <p:cNvPicPr>
+            <a:picLocks noChangeAspect="1"/>
+          </p:cNvPicPr>
+          <p:nvPr/>
+        </p:nvPicPr>
+        <p:blipFill>
+          <a:blip r:embed="rId2" cstate="print">
+            <a:extLst>
+              <a:ext uri="{28A0092B-C50C-407E-A947-70E740481C1C}">
+                <a14:useLocalDpi xmlns:a14="http://schemas.microsoft.com/office/drawing/2010/main" val="0"/>
+              </a:ext>
+            </a:extLst>
+          </a:blip>
+          <a:stretch>
+            <a:fillRect/>
+          </a:stretch>
+        </p:blipFill>
+        <p:spPr>
+          <a:xfrm>
+            <a:off x="10847804" y="0"/>
+            <a:ext cx="1137871" cy="1011441"/>
+          </a:xfrm>
+          <a:prstGeom prst="rect">
+            <a:avLst/>
+          </a:prstGeom>
+        </p:spPr>
+      </p:pic>
+      <p:sp>
+        <p:nvSpPr>
+          <p:cNvPr id="8" name="CaixaDeTexto 7"/>
+          <p:cNvSpPr txBox="1"/>
+          <p:nvPr/>
+        </p:nvSpPr>
+        <p:spPr>
+          <a:xfrm>
+            <a:off x="795630" y="234373"/>
+            <a:ext cx="5619238" cy="707886"/>
+          </a:xfrm>
+          <a:prstGeom prst="rect">
+            <a:avLst/>
+          </a:prstGeom>
+          <a:noFill/>
+        </p:spPr>
+        <p:txBody>
+          <a:bodyPr wrap="square" rtlCol="0">
+            <a:spAutoFit/>
+          </a:bodyPr>
+          <a:lstStyle/>
+          <a:p>
+            <a:r>
+              <a:rPr lang="pt-BR" sz="4000" dirty="0" smtClean="0">
+                <a:latin typeface="+mj-lt"/>
+              </a:rPr>
+              <a:t>X </a:t>
+            </a:r>
+            <a:r>
+              <a:rPr lang="pt-BR" sz="4000" dirty="0" err="1" smtClean="0">
+                <a:latin typeface="+mj-lt"/>
+              </a:rPr>
+              <a:t>Xxxxxxxxxxx</a:t>
+            </a:r>
+            <a:r>
+              <a:rPr lang="pt-BR" sz="4000" dirty="0" smtClean="0">
+                <a:latin typeface="+mj-lt"/>
+              </a:rPr>
+              <a:t>- Bruno</a:t>
+            </a:r>
+            <a:endParaRPr lang="pt-BR" sz="4000" dirty="0">
+              <a:latin typeface="+mj-lt"/>
+            </a:endParaRPr>
+          </a:p>
+        </p:txBody>
+      </p:sp>
+      <p:sp>
+        <p:nvSpPr>
+          <p:cNvPr id="10" name="CaixaDeTexto 9"/>
+          <p:cNvSpPr txBox="1"/>
+          <p:nvPr/>
+        </p:nvSpPr>
+        <p:spPr>
+          <a:xfrm>
+            <a:off x="1364566" y="2180492"/>
+            <a:ext cx="184731" cy="369332"/>
+          </a:xfrm>
+          <a:prstGeom prst="rect">
+            <a:avLst/>
+          </a:prstGeom>
+          <a:noFill/>
+        </p:spPr>
+        <p:txBody>
+          <a:bodyPr wrap="none" rtlCol="0">
+            <a:spAutoFit/>
+          </a:bodyPr>
+          <a:lstStyle/>
+          <a:p>
+            <a:endParaRPr lang="pt-BR" dirty="0"/>
+          </a:p>
+        </p:txBody>
+      </p:sp>
+    </p:spTree>
+    <p:extLst>
+      <p:ext uri="{BB962C8B-B14F-4D97-AF65-F5344CB8AC3E}">
+        <p14:creationId xmlns:p14="http://schemas.microsoft.com/office/powerpoint/2010/main" val="1521659768"/>
+      </p:ext>
+    </p:extLst>
+  </p:cSld>
+  <p:clrMapOvr>
+    <a:masterClrMapping/>
+  </p:clrMapOvr>
+</p:sld>
+</file>
+
+<file path=ppt/slides/slide6.xml><?xml version="1.0" encoding="utf-8"?>
+<p:sld xmlns:a="http://schemas.openxmlformats.org/drawingml/2006/main" xmlns:r="http://schemas.openxmlformats.org/officeDocument/2006/relationships" xmlns:p="http://schemas.openxmlformats.org/presentationml/2006/main">
+  <p:cSld>
+    <p:spTree>
+      <p:nvGrpSpPr>
+        <p:cNvPr id="1" name=""/>
+        <p:cNvGrpSpPr/>
+        <p:nvPr/>
+      </p:nvGrpSpPr>
+      <p:grpSpPr>
+        <a:xfrm>
+          <a:off x="0" y="0"/>
+          <a:ext cx="0" cy="0"/>
+          <a:chOff x="0" y="0"/>
+          <a:chExt cx="0" cy="0"/>
+        </a:xfrm>
+      </p:grpSpPr>
+      <p:pic>
+        <p:nvPicPr>
+          <p:cNvPr id="7" name="Imagem 6"/>
+          <p:cNvPicPr>
+            <a:picLocks noChangeAspect="1"/>
+          </p:cNvPicPr>
+          <p:nvPr/>
+        </p:nvPicPr>
+        <p:blipFill>
+          <a:blip r:embed="rId2" cstate="print">
+            <a:extLst>
+              <a:ext uri="{28A0092B-C50C-407E-A947-70E740481C1C}">
+                <a14:useLocalDpi xmlns:a14="http://schemas.microsoft.com/office/drawing/2010/main" val="0"/>
+              </a:ext>
+            </a:extLst>
+          </a:blip>
+          <a:stretch>
+            <a:fillRect/>
+          </a:stretch>
+        </p:blipFill>
+        <p:spPr>
+          <a:xfrm>
+            <a:off x="10847804" y="0"/>
+            <a:ext cx="1137871" cy="1011441"/>
+          </a:xfrm>
+          <a:prstGeom prst="rect">
+            <a:avLst/>
+          </a:prstGeom>
+        </p:spPr>
+      </p:pic>
+      <p:sp>
+        <p:nvSpPr>
+          <p:cNvPr id="8" name="CaixaDeTexto 7"/>
+          <p:cNvSpPr txBox="1"/>
+          <p:nvPr/>
+        </p:nvSpPr>
+        <p:spPr>
+          <a:xfrm>
+            <a:off x="795630" y="234373"/>
+            <a:ext cx="5619238" cy="707886"/>
+          </a:xfrm>
+          <a:prstGeom prst="rect">
+            <a:avLst/>
+          </a:prstGeom>
+          <a:noFill/>
+        </p:spPr>
+        <p:txBody>
+          <a:bodyPr wrap="square" rtlCol="0">
+            <a:spAutoFit/>
+          </a:bodyPr>
+          <a:lstStyle/>
+          <a:p>
+            <a:r>
+              <a:rPr lang="pt-BR" sz="4000" dirty="0" smtClean="0">
+                <a:latin typeface="+mj-lt"/>
+              </a:rPr>
+              <a:t>X </a:t>
+            </a:r>
+            <a:r>
+              <a:rPr lang="pt-BR" sz="4000" dirty="0" err="1" smtClean="0">
+                <a:latin typeface="+mj-lt"/>
+              </a:rPr>
+              <a:t>Xxxxxxxxxxx</a:t>
+            </a:r>
+            <a:r>
+              <a:rPr lang="pt-BR" sz="4000" dirty="0" smtClean="0">
+                <a:latin typeface="+mj-lt"/>
+              </a:rPr>
+              <a:t>- Bruno</a:t>
+            </a:r>
+            <a:endParaRPr lang="pt-BR" sz="4000" dirty="0">
+              <a:latin typeface="+mj-lt"/>
+            </a:endParaRPr>
+          </a:p>
+        </p:txBody>
+      </p:sp>
+      <p:sp>
+        <p:nvSpPr>
+          <p:cNvPr id="10" name="CaixaDeTexto 9"/>
+          <p:cNvSpPr txBox="1"/>
+          <p:nvPr/>
+        </p:nvSpPr>
+        <p:spPr>
+          <a:xfrm>
+            <a:off x="1364566" y="2180492"/>
+            <a:ext cx="184731" cy="369332"/>
+          </a:xfrm>
+          <a:prstGeom prst="rect">
+            <a:avLst/>
+          </a:prstGeom>
+          <a:noFill/>
+        </p:spPr>
+        <p:txBody>
+          <a:bodyPr wrap="none" rtlCol="0">
+            <a:spAutoFit/>
+          </a:bodyPr>
+          <a:lstStyle/>
+          <a:p>
+            <a:endParaRPr lang="pt-BR" dirty="0"/>
+          </a:p>
+        </p:txBody>
+      </p:sp>
+    </p:spTree>
+    <p:extLst>
+      <p:ext uri="{BB962C8B-B14F-4D97-AF65-F5344CB8AC3E}">
+        <p14:creationId xmlns:p14="http://schemas.microsoft.com/office/powerpoint/2010/main" val="3370644951"/>
+      </p:ext>
+    </p:extLst>
+  </p:cSld>
+  <p:clrMapOvr>
+    <a:masterClrMapping/>
+  </p:clrMapOvr>
+</p:sld>
+</file>
+
+<file path=ppt/slides/slide7.xml><?xml version="1.0" encoding="utf-8"?>
+<p:sld xmlns:a="http://schemas.openxmlformats.org/drawingml/2006/main" xmlns:r="http://schemas.openxmlformats.org/officeDocument/2006/relationships" xmlns:p="http://schemas.openxmlformats.org/presentationml/2006/main">
+  <p:cSld>
+    <p:spTree>
+      <p:nvGrpSpPr>
+        <p:cNvPr id="1" name=""/>
+        <p:cNvGrpSpPr/>
+        <p:nvPr/>
+      </p:nvGrpSpPr>
+      <p:grpSpPr>
+        <a:xfrm>
+          <a:off x="0" y="0"/>
+          <a:ext cx="0" cy="0"/>
+          <a:chOff x="0" y="0"/>
+          <a:chExt cx="0" cy="0"/>
+        </a:xfrm>
+      </p:grpSpPr>
+      <p:pic>
+        <p:nvPicPr>
+          <p:cNvPr id="7" name="Imagem 6"/>
+          <p:cNvPicPr>
+            <a:picLocks noChangeAspect="1"/>
+          </p:cNvPicPr>
+          <p:nvPr/>
+        </p:nvPicPr>
+        <p:blipFill>
+          <a:blip r:embed="rId2" cstate="print">
+            <a:extLst>
+              <a:ext uri="{28A0092B-C50C-407E-A947-70E740481C1C}">
+                <a14:useLocalDpi xmlns:a14="http://schemas.microsoft.com/office/drawing/2010/main" val="0"/>
+              </a:ext>
+            </a:extLst>
+          </a:blip>
+          <a:stretch>
+            <a:fillRect/>
+          </a:stretch>
+        </p:blipFill>
+        <p:spPr>
+          <a:xfrm>
+            <a:off x="10847804" y="0"/>
+            <a:ext cx="1137871" cy="1011441"/>
+          </a:xfrm>
+          <a:prstGeom prst="rect">
+            <a:avLst/>
+          </a:prstGeom>
+        </p:spPr>
+      </p:pic>
+      <p:sp>
+        <p:nvSpPr>
+          <p:cNvPr id="8" name="CaixaDeTexto 7"/>
+          <p:cNvSpPr txBox="1"/>
+          <p:nvPr/>
+        </p:nvSpPr>
+        <p:spPr>
+          <a:xfrm>
+            <a:off x="795630" y="234373"/>
+            <a:ext cx="5619238" cy="707886"/>
+          </a:xfrm>
+          <a:prstGeom prst="rect">
+            <a:avLst/>
+          </a:prstGeom>
+          <a:noFill/>
+        </p:spPr>
+        <p:txBody>
+          <a:bodyPr wrap="square" rtlCol="0">
+            <a:spAutoFit/>
+          </a:bodyPr>
+          <a:lstStyle/>
+          <a:p>
+            <a:r>
+              <a:rPr lang="pt-BR" sz="4000" dirty="0" smtClean="0">
+                <a:latin typeface="+mj-lt"/>
+              </a:rPr>
+              <a:t>X </a:t>
+            </a:r>
+            <a:r>
+              <a:rPr lang="pt-BR" sz="4000" dirty="0" err="1" smtClean="0">
+                <a:latin typeface="+mj-lt"/>
+              </a:rPr>
+              <a:t>Xxxxxxxxxxx</a:t>
+            </a:r>
+            <a:r>
+              <a:rPr lang="pt-BR" sz="4000" dirty="0" smtClean="0">
+                <a:latin typeface="+mj-lt"/>
+              </a:rPr>
+              <a:t>- </a:t>
+            </a:r>
+            <a:r>
+              <a:rPr lang="pt-BR" sz="4000" dirty="0" err="1" smtClean="0">
+                <a:latin typeface="+mj-lt"/>
+              </a:rPr>
+              <a:t>Maicao</a:t>
+            </a:r>
+            <a:endParaRPr lang="pt-BR" sz="4000" dirty="0">
+              <a:latin typeface="+mj-lt"/>
+            </a:endParaRPr>
+          </a:p>
+        </p:txBody>
+      </p:sp>
+      <p:sp>
+        <p:nvSpPr>
+          <p:cNvPr id="10" name="CaixaDeTexto 9"/>
+          <p:cNvSpPr txBox="1"/>
+          <p:nvPr/>
+        </p:nvSpPr>
+        <p:spPr>
+          <a:xfrm>
+            <a:off x="1364566" y="2180492"/>
+            <a:ext cx="184731" cy="369332"/>
+          </a:xfrm>
+          <a:prstGeom prst="rect">
+            <a:avLst/>
+          </a:prstGeom>
+          <a:noFill/>
+        </p:spPr>
+        <p:txBody>
+          <a:bodyPr wrap="none" rtlCol="0">
+            <a:spAutoFit/>
+          </a:bodyPr>
+          <a:lstStyle/>
+          <a:p>
+            <a:endParaRPr lang="pt-BR" dirty="0"/>
+          </a:p>
+        </p:txBody>
+      </p:sp>
+    </p:spTree>
+    <p:extLst>
+      <p:ext uri="{BB962C8B-B14F-4D97-AF65-F5344CB8AC3E}">
+        <p14:creationId xmlns:p14="http://schemas.microsoft.com/office/powerpoint/2010/main" val="331130396"/>
+      </p:ext>
+    </p:extLst>
+  </p:cSld>
+  <p:clrMapOvr>
+    <a:masterClrMapping/>
+  </p:clrMapOvr>
+</p:sld>
+</file>
+
+<file path=ppt/slides/slide8.xml><?xml version="1.0" encoding="utf-8"?>
+<p:sld xmlns:a="http://schemas.openxmlformats.org/drawingml/2006/main" xmlns:r="http://schemas.openxmlformats.org/officeDocument/2006/relationships" xmlns:p="http://schemas.openxmlformats.org/presentationml/2006/main">
+  <p:cSld>
+    <p:spTree>
+      <p:nvGrpSpPr>
+        <p:cNvPr id="1" name=""/>
+        <p:cNvGrpSpPr/>
+        <p:nvPr/>
+      </p:nvGrpSpPr>
+      <p:grpSpPr>
+        <a:xfrm>
+          <a:off x="0" y="0"/>
+          <a:ext cx="0" cy="0"/>
+          <a:chOff x="0" y="0"/>
+          <a:chExt cx="0" cy="0"/>
+        </a:xfrm>
+      </p:grpSpPr>
+      <p:pic>
+        <p:nvPicPr>
+          <p:cNvPr id="7" name="Imagem 6"/>
+          <p:cNvPicPr>
+            <a:picLocks noChangeAspect="1"/>
+          </p:cNvPicPr>
+          <p:nvPr/>
+        </p:nvPicPr>
+        <p:blipFill>
+          <a:blip r:embed="rId2" cstate="print">
+            <a:extLst>
+              <a:ext uri="{28A0092B-C50C-407E-A947-70E740481C1C}">
+                <a14:useLocalDpi xmlns:a14="http://schemas.microsoft.com/office/drawing/2010/main" val="0"/>
+              </a:ext>
+            </a:extLst>
+          </a:blip>
+          <a:stretch>
+            <a:fillRect/>
+          </a:stretch>
+        </p:blipFill>
+        <p:spPr>
+          <a:xfrm>
+            <a:off x="10847804" y="0"/>
+            <a:ext cx="1137871" cy="1011441"/>
+          </a:xfrm>
+          <a:prstGeom prst="rect">
+            <a:avLst/>
+          </a:prstGeom>
+        </p:spPr>
+      </p:pic>
+      <p:sp>
+        <p:nvSpPr>
+          <p:cNvPr id="8" name="CaixaDeTexto 7"/>
+          <p:cNvSpPr txBox="1"/>
+          <p:nvPr/>
+        </p:nvSpPr>
+        <p:spPr>
+          <a:xfrm>
+            <a:off x="795630" y="234373"/>
+            <a:ext cx="5619238" cy="707886"/>
+          </a:xfrm>
+          <a:prstGeom prst="rect">
+            <a:avLst/>
+          </a:prstGeom>
+          <a:noFill/>
+        </p:spPr>
+        <p:txBody>
+          <a:bodyPr wrap="square" rtlCol="0">
+            <a:spAutoFit/>
+          </a:bodyPr>
+          <a:lstStyle/>
+          <a:p>
+            <a:r>
+              <a:rPr lang="pt-BR" sz="4000" dirty="0" smtClean="0">
+                <a:latin typeface="+mj-lt"/>
+              </a:rPr>
+              <a:t>X </a:t>
+            </a:r>
+            <a:r>
+              <a:rPr lang="pt-BR" sz="4000" dirty="0" err="1" smtClean="0">
+                <a:latin typeface="+mj-lt"/>
+              </a:rPr>
+              <a:t>Xxxxxxxxxxx-Maicao</a:t>
+            </a:r>
+            <a:endParaRPr lang="pt-BR" sz="4000" dirty="0">
+              <a:latin typeface="+mj-lt"/>
+            </a:endParaRPr>
+          </a:p>
+        </p:txBody>
+      </p:sp>
+      <p:sp>
+        <p:nvSpPr>
+          <p:cNvPr id="10" name="CaixaDeTexto 9"/>
+          <p:cNvSpPr txBox="1"/>
+          <p:nvPr/>
+        </p:nvSpPr>
+        <p:spPr>
+          <a:xfrm>
+            <a:off x="1364566" y="2180492"/>
+            <a:ext cx="184731" cy="369332"/>
+          </a:xfrm>
+          <a:prstGeom prst="rect">
+            <a:avLst/>
+          </a:prstGeom>
+          <a:noFill/>
+        </p:spPr>
+        <p:txBody>
+          <a:bodyPr wrap="none" rtlCol="0">
+            <a:spAutoFit/>
+          </a:bodyPr>
+          <a:lstStyle/>
+          <a:p>
+            <a:endParaRPr lang="pt-BR" dirty="0"/>
+          </a:p>
+        </p:txBody>
+      </p:sp>
+    </p:spTree>
+    <p:extLst>
+      <p:ext uri="{BB962C8B-B14F-4D97-AF65-F5344CB8AC3E}">
+        <p14:creationId xmlns:p14="http://schemas.microsoft.com/office/powerpoint/2010/main" val="2241516331"/>
+      </p:ext>
+    </p:extLst>
+  </p:cSld>
+  <p:clrMapOvr>
+    <a:masterClrMapping/>
+  </p:clrMapOvr>
+</p:sld>
+</file>
+
+<file path=ppt/slides/slide9.xml><?xml version="1.0" encoding="utf-8"?>
+<p:sld xmlns:a="http://schemas.openxmlformats.org/drawingml/2006/main" xmlns:r="http://schemas.openxmlformats.org/officeDocument/2006/relationships" xmlns:p="http://schemas.openxmlformats.org/presentationml/2006/main">
+  <p:cSld>
+    <p:spTree>
+      <p:nvGrpSpPr>
+        <p:cNvPr id="1" name=""/>
+        <p:cNvGrpSpPr/>
+        <p:nvPr/>
+      </p:nvGrpSpPr>
+      <p:grpSpPr>
+        <a:xfrm>
+          <a:off x="0" y="0"/>
+          <a:ext cx="0" cy="0"/>
+          <a:chOff x="0" y="0"/>
+          <a:chExt cx="0" cy="0"/>
+        </a:xfrm>
+      </p:grpSpPr>
+      <p:pic>
+        <p:nvPicPr>
+          <p:cNvPr id="7" name="Imagem 6"/>
+          <p:cNvPicPr>
+            <a:picLocks noChangeAspect="1"/>
+          </p:cNvPicPr>
+          <p:nvPr/>
+        </p:nvPicPr>
+        <p:blipFill>
+          <a:blip r:embed="rId2" cstate="print">
+            <a:extLst>
+              <a:ext uri="{28A0092B-C50C-407E-A947-70E740481C1C}">
+                <a14:useLocalDpi xmlns:a14="http://schemas.microsoft.com/office/drawing/2010/main" val="0"/>
+              </a:ext>
+            </a:extLst>
+          </a:blip>
+          <a:stretch>
+            <a:fillRect/>
+          </a:stretch>
+        </p:blipFill>
+        <p:spPr>
+          <a:xfrm>
+            <a:off x="10847804" y="0"/>
+            <a:ext cx="1137871" cy="1011441"/>
+          </a:xfrm>
+          <a:prstGeom prst="rect">
+            <a:avLst/>
+          </a:prstGeom>
+        </p:spPr>
+      </p:pic>
+      <p:sp>
+        <p:nvSpPr>
+          <p:cNvPr id="8" name="CaixaDeTexto 7"/>
+          <p:cNvSpPr txBox="1"/>
+          <p:nvPr/>
+        </p:nvSpPr>
+        <p:spPr>
+          <a:xfrm>
+            <a:off x="795630" y="234373"/>
+            <a:ext cx="5619238" cy="707886"/>
+          </a:xfrm>
+          <a:prstGeom prst="rect">
+            <a:avLst/>
+          </a:prstGeom>
+          <a:noFill/>
+        </p:spPr>
+        <p:txBody>
+          <a:bodyPr wrap="square" rtlCol="0">
+            <a:spAutoFit/>
+          </a:bodyPr>
+          <a:lstStyle/>
+          <a:p>
+            <a:r>
+              <a:rPr lang="pt-BR" sz="4000" dirty="0" smtClean="0">
+                <a:latin typeface="+mj-lt"/>
+              </a:rPr>
+              <a:t>X </a:t>
+            </a:r>
+            <a:r>
+              <a:rPr lang="pt-BR" sz="4000" dirty="0" err="1" smtClean="0">
+                <a:latin typeface="+mj-lt"/>
+              </a:rPr>
+              <a:t>Xxxxxxxxxxx</a:t>
+            </a:r>
+            <a:r>
+              <a:rPr lang="pt-BR" sz="4000" dirty="0" smtClean="0">
+                <a:latin typeface="+mj-lt"/>
+              </a:rPr>
+              <a:t>- Arthur</a:t>
+            </a:r>
+            <a:endParaRPr lang="pt-BR" sz="4000" dirty="0">
+              <a:latin typeface="+mj-lt"/>
+            </a:endParaRPr>
+          </a:p>
+        </p:txBody>
+      </p:sp>
+      <p:sp>
+        <p:nvSpPr>
+          <p:cNvPr id="10" name="CaixaDeTexto 9"/>
+          <p:cNvSpPr txBox="1"/>
+          <p:nvPr/>
+        </p:nvSpPr>
+        <p:spPr>
+          <a:xfrm>
+            <a:off x="1364566" y="2180492"/>
+            <a:ext cx="184731" cy="369332"/>
+          </a:xfrm>
+          <a:prstGeom prst="rect">
+            <a:avLst/>
+          </a:prstGeom>
+          <a:noFill/>
+        </p:spPr>
+        <p:txBody>
+          <a:bodyPr wrap="none" rtlCol="0">
+            <a:spAutoFit/>
+          </a:bodyPr>
+          <a:lstStyle/>
+          <a:p>
+            <a:endParaRPr lang="pt-BR" dirty="0"/>
+          </a:p>
+        </p:txBody>
+      </p:sp>
+    </p:spTree>
+    <p:extLst>
+      <p:ext uri="{BB962C8B-B14F-4D97-AF65-F5344CB8AC3E}">
+        <p14:creationId xmlns:p14="http://schemas.microsoft.com/office/powerpoint/2010/main" val="2910239746"/>
+      </p:ext>
+    </p:extLst>
+  </p:cSld>
+  <p:clrMapOvr>
+    <a:masterClrMapping/>
+  </p:clrMapOvr>
 </p:sld>
 </file>
 
